--- a/Wellness_Project_IWAM(Group-1).pptx
+++ b/Wellness_Project_IWAM(Group-1).pptx
@@ -297,7 +297,7 @@
           <a:p>
             <a:fld id="{64F83ABB-A641-41B3-815B-0BF716117969}" type="datetimeFigureOut">
               <a:rPr lang="en-US" smtClean="0"/>
-              <a:t>8/25/2024</a:t>
+              <a:t>8/26/2024</a:t>
             </a:fld>
             <a:endParaRPr lang="en-US"/>
           </a:p>
@@ -711,7 +711,7 @@
           <a:p>
             <a:fld id="{D66C86BF-26DF-47F2-BBA6-FB99F1E1025C}" type="datetimeFigureOut">
               <a:rPr lang="en-US" smtClean="0"/>
-              <a:t>8/25/2024</a:t>
+              <a:t>8/26/2024</a:t>
             </a:fld>
             <a:endParaRPr lang="en-US"/>
           </a:p>
@@ -909,7 +909,7 @@
           <a:p>
             <a:fld id="{D66C86BF-26DF-47F2-BBA6-FB99F1E1025C}" type="datetimeFigureOut">
               <a:rPr lang="en-US" smtClean="0"/>
-              <a:t>8/25/2024</a:t>
+              <a:t>8/26/2024</a:t>
             </a:fld>
             <a:endParaRPr lang="en-US"/>
           </a:p>
@@ -1117,7 +1117,7 @@
           <a:p>
             <a:fld id="{D66C86BF-26DF-47F2-BBA6-FB99F1E1025C}" type="datetimeFigureOut">
               <a:rPr lang="en-US" smtClean="0"/>
-              <a:t>8/25/2024</a:t>
+              <a:t>8/26/2024</a:t>
             </a:fld>
             <a:endParaRPr lang="en-US"/>
           </a:p>
@@ -1315,7 +1315,7 @@
           <a:p>
             <a:fld id="{D66C86BF-26DF-47F2-BBA6-FB99F1E1025C}" type="datetimeFigureOut">
               <a:rPr lang="en-US" smtClean="0"/>
-              <a:t>8/25/2024</a:t>
+              <a:t>8/26/2024</a:t>
             </a:fld>
             <a:endParaRPr lang="en-US"/>
           </a:p>
@@ -1590,7 +1590,7 @@
           <a:p>
             <a:fld id="{D66C86BF-26DF-47F2-BBA6-FB99F1E1025C}" type="datetimeFigureOut">
               <a:rPr lang="en-US" smtClean="0"/>
-              <a:t>8/25/2024</a:t>
+              <a:t>8/26/2024</a:t>
             </a:fld>
             <a:endParaRPr lang="en-US"/>
           </a:p>
@@ -1855,7 +1855,7 @@
           <a:p>
             <a:fld id="{D66C86BF-26DF-47F2-BBA6-FB99F1E1025C}" type="datetimeFigureOut">
               <a:rPr lang="en-US" smtClean="0"/>
-              <a:t>8/25/2024</a:t>
+              <a:t>8/26/2024</a:t>
             </a:fld>
             <a:endParaRPr lang="en-US"/>
           </a:p>
@@ -2267,7 +2267,7 @@
           <a:p>
             <a:fld id="{D66C86BF-26DF-47F2-BBA6-FB99F1E1025C}" type="datetimeFigureOut">
               <a:rPr lang="en-US" smtClean="0"/>
-              <a:t>8/25/2024</a:t>
+              <a:t>8/26/2024</a:t>
             </a:fld>
             <a:endParaRPr lang="en-US"/>
           </a:p>
@@ -2408,7 +2408,7 @@
           <a:p>
             <a:fld id="{D66C86BF-26DF-47F2-BBA6-FB99F1E1025C}" type="datetimeFigureOut">
               <a:rPr lang="en-US" smtClean="0"/>
-              <a:t>8/25/2024</a:t>
+              <a:t>8/26/2024</a:t>
             </a:fld>
             <a:endParaRPr lang="en-US"/>
           </a:p>
@@ -2521,7 +2521,7 @@
           <a:p>
             <a:fld id="{D66C86BF-26DF-47F2-BBA6-FB99F1E1025C}" type="datetimeFigureOut">
               <a:rPr lang="en-US" smtClean="0"/>
-              <a:t>8/25/2024</a:t>
+              <a:t>8/26/2024</a:t>
             </a:fld>
             <a:endParaRPr lang="en-US"/>
           </a:p>
@@ -2832,7 +2832,7 @@
           <a:p>
             <a:fld id="{D66C86BF-26DF-47F2-BBA6-FB99F1E1025C}" type="datetimeFigureOut">
               <a:rPr lang="en-US" smtClean="0"/>
-              <a:t>8/25/2024</a:t>
+              <a:t>8/26/2024</a:t>
             </a:fld>
             <a:endParaRPr lang="en-US"/>
           </a:p>
@@ -3120,7 +3120,7 @@
           <a:p>
             <a:fld id="{D66C86BF-26DF-47F2-BBA6-FB99F1E1025C}" type="datetimeFigureOut">
               <a:rPr lang="en-US" smtClean="0"/>
-              <a:t>8/25/2024</a:t>
+              <a:t>8/26/2024</a:t>
             </a:fld>
             <a:endParaRPr lang="en-US"/>
           </a:p>
@@ -3361,7 +3361,7 @@
           <a:p>
             <a:fld id="{D66C86BF-26DF-47F2-BBA6-FB99F1E1025C}" type="datetimeFigureOut">
               <a:rPr lang="en-US" smtClean="0"/>
-              <a:t>8/25/2024</a:t>
+              <a:t>8/26/2024</a:t>
             </a:fld>
             <a:endParaRPr lang="en-US"/>
           </a:p>
@@ -3886,7 +3886,7 @@
                 </a:solidFill>
                 <a:latin typeface="HK Grotesk" pitchFamily="2" charset="77"/>
               </a:rPr>
-              <a:t>Capstone Project Presentation – 04 May 2024</a:t>
+              <a:t>Capstone Project Presentation – 27-August-2024</a:t>
             </a:r>
           </a:p>
         </p:txBody>
@@ -3974,7 +3974,7 @@
                 </a:solidFill>
                 <a:latin typeface="HK Grotesk" pitchFamily="2" charset="77"/>
               </a:rPr>
-              <a:t>Presented by - </a:t>
+              <a:t>Presented by -  IWAM (Group-1)</a:t>
             </a:r>
           </a:p>
         </p:txBody>
@@ -4021,8 +4021,23 @@
                 </a:solidFill>
                 <a:latin typeface="HK Grotesk" pitchFamily="2" charset="77"/>
               </a:rPr>
-              <a:t>Project Title Here - </a:t>
-            </a:r>
+              <a:t>Project Title Here – Wellness </a:t>
+            </a:r>
+            <a:r>
+              <a:rPr lang="en-US" sz="2400">
+                <a:solidFill>
+                  <a:srgbClr val="FFFFFF"/>
+                </a:solidFill>
+                <a:latin typeface="HK Grotesk" pitchFamily="2" charset="77"/>
+              </a:rPr>
+              <a:t>Management Program</a:t>
+            </a:r>
+            <a:endParaRPr lang="en-US" sz="2400" dirty="0">
+              <a:solidFill>
+                <a:srgbClr val="FFFFFF"/>
+              </a:solidFill>
+              <a:latin typeface="HK Grotesk" pitchFamily="2" charset="77"/>
+            </a:endParaRPr>
           </a:p>
         </p:txBody>
       </p:sp>
@@ -5885,7 +5900,15 @@
           <a:p>
             <a:r>
               <a:rPr lang="en-US" dirty="0"/>
-              <a:t>1. We are making Wellness management System .In this project we are making log in system and registration system .After Successful of login we can book the appointments and  make the changes of appointment</a:t>
+              <a:t>1. We are making Wellness management System .In this project we are making log in system and registration system .After </a:t>
+            </a:r>
+            <a:r>
+              <a:rPr lang="en-US"/>
+              <a:t>Successful login </a:t>
+            </a:r>
+            <a:r>
+              <a:rPr lang="en-US" dirty="0"/>
+              <a:t>we can book the appointments and  make the changes of appointment</a:t>
             </a:r>
           </a:p>
         </p:txBody>
